--- a/GRASP Poster.pptx
+++ b/GRASP Poster.pptx
@@ -20,14 +20,14 @@
       <p:bold r:id="rId6"/>
     </p:embeddedFont>
     <p:embeddedFont>
-      <p:font typeface="Roboto" panose="020B0604020202020204" charset="0"/>
+      <p:font typeface="Roboto Light" panose="020B0604020202020204" charset="0"/>
       <p:regular r:id="rId7"/>
       <p:bold r:id="rId8"/>
       <p:italic r:id="rId9"/>
       <p:boldItalic r:id="rId10"/>
     </p:embeddedFont>
     <p:embeddedFont>
-      <p:font typeface="Roboto Light" panose="020B0604020202020204" charset="0"/>
+      <p:font typeface="Roboto" panose="020B0604020202020204" charset="0"/>
       <p:regular r:id="rId11"/>
       <p:bold r:id="rId12"/>
       <p:italic r:id="rId13"/>
@@ -5968,31 +5968,7 @@
                 <a:cs typeface="Roboto Light"/>
                 <a:sym typeface="Roboto Light"/>
               </a:rPr>
-              <a:t>, Lam </a:t>
-            </a:r>
-            <a:r>
-              <a:rPr lang="en-US" sz="4200" dirty="0" err="1">
-                <a:solidFill>
-                  <a:srgbClr val="003262"/>
-                </a:solidFill>
-                <a:latin typeface="Roboto Light"/>
-                <a:ea typeface="Roboto Light"/>
-                <a:cs typeface="Roboto Light"/>
-                <a:sym typeface="Roboto Light"/>
-              </a:rPr>
-              <a:t>Lenguyen</a:t>
-            </a:r>
-            <a:r>
-              <a:rPr lang="en-US" sz="4200" dirty="0">
-                <a:solidFill>
-                  <a:srgbClr val="003262"/>
-                </a:solidFill>
-                <a:latin typeface="Roboto Light"/>
-                <a:ea typeface="Roboto Light"/>
-                <a:cs typeface="Roboto Light"/>
-                <a:sym typeface="Roboto Light"/>
-              </a:rPr>
-              <a:t>, Aditya Tyagi, David </a:t>
+              <a:t>, Lam Nguyen, Aditya Tyagi, David </a:t>
             </a:r>
             <a:r>
               <a:rPr lang="en-US" sz="4200" dirty="0" err="1">
@@ -6027,6 +6003,103 @@
         <p:spPr>
           <a:xfrm>
             <a:off x="488575" y="5017192"/>
+            <a:ext cx="11847309" cy="6103500"/>
+          </a:xfrm>
+          <a:prstGeom prst="rect">
+            <a:avLst/>
+          </a:prstGeom>
+          <a:noFill/>
+          <a:ln>
+            <a:noFill/>
+          </a:ln>
+        </p:spPr>
+        <p:txBody>
+          <a:bodyPr spcFirstLastPara="1" wrap="square" lIns="91425" tIns="91425" rIns="91425" bIns="91425" anchor="t" anchorCtr="0">
+            <a:noAutofit/>
+          </a:bodyPr>
+          <a:lstStyle/>
+          <a:p>
+            <a:pPr marL="0" lvl="0" indent="0" algn="l" rtl="0">
+              <a:spcBef>
+                <a:spcPts val="0"/>
+              </a:spcBef>
+              <a:spcAft>
+                <a:spcPts val="0"/>
+              </a:spcAft>
+              <a:buClr>
+                <a:srgbClr val="000000"/>
+              </a:buClr>
+              <a:buSzPts val="1100"/>
+              <a:buFont typeface="Arial"/>
+              <a:buNone/>
+            </a:pPr>
+            <a:r>
+              <a:rPr lang="en-US" sz="4800" dirty="0">
+                <a:solidFill>
+                  <a:srgbClr val="000000"/>
+                </a:solidFill>
+                <a:latin typeface="Roboto"/>
+                <a:ea typeface="Roboto"/>
+                <a:cs typeface="Roboto"/>
+                <a:sym typeface="Roboto"/>
+              </a:rPr>
+              <a:t>Goal:</a:t>
+            </a:r>
+            <a:endParaRPr lang="en" sz="4800" dirty="0">
+              <a:solidFill>
+                <a:srgbClr val="000000"/>
+              </a:solidFill>
+              <a:latin typeface="Roboto"/>
+              <a:ea typeface="Roboto"/>
+              <a:cs typeface="Roboto"/>
+              <a:sym typeface="Roboto"/>
+            </a:endParaRPr>
+          </a:p>
+          <a:p>
+            <a:pPr lvl="0">
+              <a:spcBef>
+                <a:spcPts val="1000"/>
+              </a:spcBef>
+              <a:spcAft>
+                <a:spcPts val="1000"/>
+              </a:spcAft>
+            </a:pPr>
+            <a:r>
+              <a:rPr lang="en-US" sz="3600" dirty="0">
+                <a:latin typeface="Roboto"/>
+                <a:ea typeface="Roboto"/>
+                <a:cs typeface="Roboto"/>
+                <a:sym typeface="Roboto"/>
+              </a:rPr>
+              <a:t>To create a system that allows a user to remotely view sensor outputs and control setpoints to actuate a processes. The system should be generalizable, so that it can control different processes in different </a:t>
+            </a:r>
+            <a:r>
+              <a:rPr lang="en-US" sz="3600">
+                <a:latin typeface="Roboto"/>
+                <a:ea typeface="Roboto"/>
+                <a:cs typeface="Roboto"/>
+                <a:sym typeface="Roboto"/>
+              </a:rPr>
+              <a:t>application areas.</a:t>
+            </a:r>
+            <a:endParaRPr lang="en-US" sz="3600" dirty="0">
+              <a:latin typeface="Roboto"/>
+              <a:ea typeface="Roboto"/>
+              <a:cs typeface="Roboto"/>
+              <a:sym typeface="Roboto"/>
+            </a:endParaRPr>
+          </a:p>
+        </p:txBody>
+      </p:sp>
+      <p:sp>
+        <p:nvSpPr>
+          <p:cNvPr id="64" name="Google Shape;64;p13"/>
+          <p:cNvSpPr txBox="1"/>
+          <p:nvPr/>
+        </p:nvSpPr>
+        <p:spPr>
+          <a:xfrm>
+            <a:off x="12335884" y="12966858"/>
             <a:ext cx="12402300" cy="6103500"/>
           </a:xfrm>
           <a:prstGeom prst="rect">
@@ -6059,177 +6132,21 @@
             </a:pPr>
             <a:r>
               <a:rPr lang="en" sz="4800" dirty="0">
-                <a:solidFill>
-                  <a:srgbClr val="000000"/>
-                </a:solidFill>
                 <a:latin typeface="Roboto"/>
                 <a:ea typeface="Roboto"/>
                 <a:cs typeface="Roboto"/>
                 <a:sym typeface="Roboto"/>
               </a:rPr>
-              <a:t>Heading</a:t>
+              <a:t>Depth Application: Smart </a:t>
             </a:r>
-          </a:p>
-          <a:p>
-            <a:pPr lvl="0">
-              <a:spcBef>
-                <a:spcPts val="1000"/>
-              </a:spcBef>
-              <a:spcAft>
-                <a:spcPts val="1000"/>
-              </a:spcAft>
-            </a:pPr>
             <a:r>
-              <a:rPr lang="en-US" sz="3600" dirty="0">
+              <a:rPr lang="en-US" sz="4800" dirty="0">
                 <a:latin typeface="Roboto"/>
                 <a:ea typeface="Roboto"/>
                 <a:cs typeface="Roboto"/>
                 <a:sym typeface="Roboto"/>
               </a:rPr>
-              <a:t>To create a system that allows for remote sensing, actuation, and control of processes that is generalizable across application areas.</a:t>
-            </a:r>
-          </a:p>
-        </p:txBody>
-      </p:sp>
-      <p:pic>
-        <p:nvPicPr>
-          <p:cNvPr id="62" name="Google Shape;62;p13"/>
-          <p:cNvPicPr preferRelativeResize="0"/>
-          <p:nvPr/>
-        </p:nvPicPr>
-        <p:blipFill>
-          <a:blip r:embed="rId3">
-            <a:alphaModFix/>
-          </a:blip>
-          <a:stretch>
-            <a:fillRect/>
-          </a:stretch>
-        </p:blipFill>
-        <p:spPr>
-          <a:xfrm>
-            <a:off x="488575" y="8061583"/>
-            <a:ext cx="7029226" cy="4839956"/>
-          </a:xfrm>
-          <a:prstGeom prst="rect">
-            <a:avLst/>
-          </a:prstGeom>
-          <a:noFill/>
-          <a:ln>
-            <a:noFill/>
-          </a:ln>
-        </p:spPr>
-      </p:pic>
-      <p:sp>
-        <p:nvSpPr>
-          <p:cNvPr id="63" name="Google Shape;63;p13"/>
-          <p:cNvSpPr txBox="1"/>
-          <p:nvPr/>
-        </p:nvSpPr>
-        <p:spPr>
-          <a:xfrm>
-            <a:off x="7842650" y="8093947"/>
-            <a:ext cx="5048400" cy="3026700"/>
-          </a:xfrm>
-          <a:prstGeom prst="rect">
-            <a:avLst/>
-          </a:prstGeom>
-          <a:noFill/>
-          <a:ln>
-            <a:noFill/>
-          </a:ln>
-        </p:spPr>
-        <p:txBody>
-          <a:bodyPr spcFirstLastPara="1" wrap="square" lIns="91425" tIns="91425" rIns="91425" bIns="91425" anchor="t" anchorCtr="0">
-            <a:noAutofit/>
-          </a:bodyPr>
-          <a:lstStyle/>
-          <a:p>
-            <a:pPr marL="0" lvl="0" indent="0" algn="l" rtl="0">
-              <a:spcBef>
-                <a:spcPts val="0"/>
-              </a:spcBef>
-              <a:spcAft>
-                <a:spcPts val="1000"/>
-              </a:spcAft>
-              <a:buNone/>
-            </a:pPr>
-            <a:r>
-              <a:rPr lang="en" sz="3600">
-                <a:solidFill>
-                  <a:srgbClr val="000000"/>
-                </a:solidFill>
-                <a:latin typeface="Roboto"/>
-                <a:ea typeface="Roboto"/>
-                <a:cs typeface="Roboto"/>
-                <a:sym typeface="Roboto"/>
-              </a:rPr>
-              <a:t>Explanation of the figure. Point out important features that the figure demonstrates.</a:t>
-            </a:r>
-            <a:endParaRPr sz="3600">
-              <a:latin typeface="Roboto"/>
-              <a:ea typeface="Roboto"/>
-              <a:cs typeface="Roboto"/>
-              <a:sym typeface="Roboto"/>
-            </a:endParaRPr>
-          </a:p>
-        </p:txBody>
-      </p:sp>
-      <p:sp>
-        <p:nvSpPr>
-          <p:cNvPr id="64" name="Google Shape;64;p13"/>
-          <p:cNvSpPr txBox="1"/>
-          <p:nvPr/>
-        </p:nvSpPr>
-        <p:spPr>
-          <a:xfrm>
-            <a:off x="13215888" y="5408017"/>
-            <a:ext cx="12402300" cy="6103500"/>
-          </a:xfrm>
-          <a:prstGeom prst="rect">
-            <a:avLst/>
-          </a:prstGeom>
-          <a:noFill/>
-          <a:ln>
-            <a:noFill/>
-          </a:ln>
-        </p:spPr>
-        <p:txBody>
-          <a:bodyPr spcFirstLastPara="1" wrap="square" lIns="91425" tIns="91425" rIns="91425" bIns="91425" anchor="t" anchorCtr="0">
-            <a:noAutofit/>
-          </a:bodyPr>
-          <a:lstStyle/>
-          <a:p>
-            <a:pPr marL="0" lvl="0" indent="0" algn="l" rtl="0">
-              <a:spcBef>
-                <a:spcPts val="0"/>
-              </a:spcBef>
-              <a:spcAft>
-                <a:spcPts val="0"/>
-              </a:spcAft>
-              <a:buClr>
-                <a:srgbClr val="000000"/>
-              </a:buClr>
-              <a:buSzPts val="1100"/>
-              <a:buFont typeface="Arial"/>
-              <a:buNone/>
-            </a:pPr>
-            <a:r>
-              <a:rPr lang="en" sz="4800" dirty="0">
-                <a:latin typeface="Roboto"/>
-                <a:ea typeface="Roboto"/>
-                <a:cs typeface="Roboto"/>
-                <a:sym typeface="Roboto"/>
-              </a:rPr>
-              <a:t>Depth Application: Smart Ga</a:t>
-            </a:r>
-            <a:r>
-              <a:rPr lang="en-US" sz="4800" dirty="0" err="1">
-                <a:latin typeface="Roboto"/>
-                <a:ea typeface="Roboto"/>
-                <a:cs typeface="Roboto"/>
-                <a:sym typeface="Roboto"/>
-              </a:rPr>
-              <a:t>rdening</a:t>
+              <a:t>Garden</a:t>
             </a:r>
             <a:endParaRPr sz="3600" dirty="0">
               <a:solidFill>
@@ -6272,89 +6189,6 @@
           </a:p>
         </p:txBody>
       </p:sp>
-      <p:pic>
-        <p:nvPicPr>
-          <p:cNvPr id="65" name="Google Shape;65;p13"/>
-          <p:cNvPicPr preferRelativeResize="0"/>
-          <p:nvPr/>
-        </p:nvPicPr>
-        <p:blipFill>
-          <a:blip r:embed="rId3">
-            <a:alphaModFix/>
-          </a:blip>
-          <a:stretch>
-            <a:fillRect/>
-          </a:stretch>
-        </p:blipFill>
-        <p:spPr>
-          <a:xfrm>
-            <a:off x="13215888" y="8452408"/>
-            <a:ext cx="7029226" cy="4839956"/>
-          </a:xfrm>
-          <a:prstGeom prst="rect">
-            <a:avLst/>
-          </a:prstGeom>
-          <a:noFill/>
-          <a:ln>
-            <a:noFill/>
-          </a:ln>
-        </p:spPr>
-      </p:pic>
-      <p:sp>
-        <p:nvSpPr>
-          <p:cNvPr id="66" name="Google Shape;66;p13"/>
-          <p:cNvSpPr txBox="1"/>
-          <p:nvPr/>
-        </p:nvSpPr>
-        <p:spPr>
-          <a:xfrm>
-            <a:off x="20569963" y="8484772"/>
-            <a:ext cx="5048400" cy="3026700"/>
-          </a:xfrm>
-          <a:prstGeom prst="rect">
-            <a:avLst/>
-          </a:prstGeom>
-          <a:noFill/>
-          <a:ln>
-            <a:noFill/>
-          </a:ln>
-        </p:spPr>
-        <p:txBody>
-          <a:bodyPr spcFirstLastPara="1" wrap="square" lIns="91425" tIns="91425" rIns="91425" bIns="91425" anchor="t" anchorCtr="0">
-            <a:noAutofit/>
-          </a:bodyPr>
-          <a:lstStyle/>
-          <a:p>
-            <a:pPr marL="0" lvl="0" indent="0" algn="l" rtl="0">
-              <a:spcBef>
-                <a:spcPts val="0"/>
-              </a:spcBef>
-              <a:spcAft>
-                <a:spcPts val="1000"/>
-              </a:spcAft>
-              <a:buNone/>
-            </a:pPr>
-            <a:r>
-              <a:rPr lang="en" sz="3600">
-                <a:solidFill>
-                  <a:srgbClr val="000000"/>
-                </a:solidFill>
-                <a:latin typeface="Roboto"/>
-                <a:ea typeface="Roboto"/>
-                <a:cs typeface="Roboto"/>
-                <a:sym typeface="Roboto"/>
-              </a:rPr>
-              <a:t>Explanation of the figure. Point out important features that the figure demonstrates.</a:t>
-            </a:r>
-            <a:endParaRPr sz="3600">
-              <a:latin typeface="Roboto"/>
-              <a:ea typeface="Roboto"/>
-              <a:cs typeface="Roboto"/>
-              <a:sym typeface="Roboto"/>
-            </a:endParaRPr>
-          </a:p>
-        </p:txBody>
-      </p:sp>
       <p:sp>
         <p:nvSpPr>
           <p:cNvPr id="67" name="Google Shape;67;p13"/>
@@ -6363,7 +6197,7 @@
         </p:nvSpPr>
         <p:spPr>
           <a:xfrm>
-            <a:off x="13215888" y="13651492"/>
+            <a:off x="12342508" y="4820358"/>
             <a:ext cx="12402300" cy="6103500"/>
           </a:xfrm>
           <a:prstGeom prst="rect">
@@ -6390,6 +6224,38 @@
               <a:buNone/>
             </a:pPr>
             <a:r>
+              <a:rPr lang="en-US" sz="4800" dirty="0">
+                <a:solidFill>
+                  <a:srgbClr val="000000"/>
+                </a:solidFill>
+                <a:latin typeface="Roboto"/>
+                <a:ea typeface="Roboto"/>
+                <a:cs typeface="Roboto"/>
+                <a:sym typeface="Roboto"/>
+              </a:rPr>
+              <a:t>Integration:</a:t>
+            </a:r>
+            <a:endParaRPr lang="en" sz="4800" dirty="0">
+              <a:solidFill>
+                <a:srgbClr val="000000"/>
+              </a:solidFill>
+              <a:latin typeface="Roboto"/>
+              <a:ea typeface="Roboto"/>
+              <a:cs typeface="Roboto"/>
+              <a:sym typeface="Roboto"/>
+            </a:endParaRPr>
+          </a:p>
+          <a:p>
+            <a:pPr marL="0" lvl="0" indent="0" algn="l" rtl="0">
+              <a:spcBef>
+                <a:spcPts val="0"/>
+              </a:spcBef>
+              <a:spcAft>
+                <a:spcPts val="1000"/>
+              </a:spcAft>
+              <a:buNone/>
+            </a:pPr>
+            <a:r>
               <a:rPr lang="en" sz="3600" dirty="0">
                 <a:solidFill>
                   <a:srgbClr val="000000"/>
@@ -6399,10 +6265,10 @@
                 <a:cs typeface="Roboto"/>
                 <a:sym typeface="Roboto"/>
               </a:rPr>
-              <a:t>Some sections have multiple figures in them. Explanation paragraph. </a:t>
+              <a:t>Some sections have multiple figures in them. Explanation paragraph. Enough to explain what’s going on, but not so much text that it goes on and on. Much better to get to the point and let the pictures do</a:t>
             </a:r>
             <a:r>
-              <a:rPr lang="en" sz="3600">
+              <a:rPr lang="en-US" sz="3600" dirty="0">
                 <a:solidFill>
                   <a:srgbClr val="000000"/>
                 </a:solidFill>
@@ -6411,7 +6277,7 @@
                 <a:cs typeface="Roboto"/>
                 <a:sym typeface="Roboto"/>
               </a:rPr>
-              <a:t>Enough to explain what’s going on, but not so much text that it goes on and on. </a:t>
+              <a:t>c</a:t>
             </a:r>
             <a:r>
               <a:rPr lang="en" sz="3600" dirty="0">
@@ -6423,175 +6289,9 @@
                 <a:cs typeface="Roboto"/>
                 <a:sym typeface="Roboto"/>
               </a:rPr>
-              <a:t>Much better to get to the point and let the pictures do most of the talking.</a:t>
+              <a:t> most of the talking.</a:t>
             </a:r>
             <a:endParaRPr sz="3600" dirty="0">
-              <a:latin typeface="Roboto"/>
-              <a:ea typeface="Roboto"/>
-              <a:cs typeface="Roboto"/>
-              <a:sym typeface="Roboto"/>
-            </a:endParaRPr>
-          </a:p>
-        </p:txBody>
-      </p:sp>
-      <p:pic>
-        <p:nvPicPr>
-          <p:cNvPr id="68" name="Google Shape;68;p13"/>
-          <p:cNvPicPr preferRelativeResize="0"/>
-          <p:nvPr/>
-        </p:nvPicPr>
-        <p:blipFill>
-          <a:blip r:embed="rId3">
-            <a:alphaModFix/>
-          </a:blip>
-          <a:stretch>
-            <a:fillRect/>
-          </a:stretch>
-        </p:blipFill>
-        <p:spPr>
-          <a:xfrm>
-            <a:off x="13215888" y="16391083"/>
-            <a:ext cx="7029226" cy="4839956"/>
-          </a:xfrm>
-          <a:prstGeom prst="rect">
-            <a:avLst/>
-          </a:prstGeom>
-          <a:noFill/>
-          <a:ln>
-            <a:noFill/>
-          </a:ln>
-        </p:spPr>
-      </p:pic>
-      <p:sp>
-        <p:nvSpPr>
-          <p:cNvPr id="69" name="Google Shape;69;p13"/>
-          <p:cNvSpPr txBox="1"/>
-          <p:nvPr/>
-        </p:nvSpPr>
-        <p:spPr>
-          <a:xfrm>
-            <a:off x="20569963" y="16423447"/>
-            <a:ext cx="5048400" cy="3026700"/>
-          </a:xfrm>
-          <a:prstGeom prst="rect">
-            <a:avLst/>
-          </a:prstGeom>
-          <a:noFill/>
-          <a:ln>
-            <a:noFill/>
-          </a:ln>
-        </p:spPr>
-        <p:txBody>
-          <a:bodyPr spcFirstLastPara="1" wrap="square" lIns="91425" tIns="91425" rIns="91425" bIns="91425" anchor="t" anchorCtr="0">
-            <a:noAutofit/>
-          </a:bodyPr>
-          <a:lstStyle/>
-          <a:p>
-            <a:pPr marL="0" lvl="0" indent="0" algn="l" rtl="0">
-              <a:spcBef>
-                <a:spcPts val="0"/>
-              </a:spcBef>
-              <a:spcAft>
-                <a:spcPts val="1000"/>
-              </a:spcAft>
-              <a:buNone/>
-            </a:pPr>
-            <a:r>
-              <a:rPr lang="en" sz="3600">
-                <a:solidFill>
-                  <a:srgbClr val="000000"/>
-                </a:solidFill>
-                <a:latin typeface="Roboto"/>
-                <a:ea typeface="Roboto"/>
-                <a:cs typeface="Roboto"/>
-                <a:sym typeface="Roboto"/>
-              </a:rPr>
-              <a:t>Explanation of the figure. Point out important features that the figure demonstrates.</a:t>
-            </a:r>
-            <a:endParaRPr sz="3600">
-              <a:latin typeface="Roboto"/>
-              <a:ea typeface="Roboto"/>
-              <a:cs typeface="Roboto"/>
-              <a:sym typeface="Roboto"/>
-            </a:endParaRPr>
-          </a:p>
-        </p:txBody>
-      </p:sp>
-      <p:pic>
-        <p:nvPicPr>
-          <p:cNvPr id="70" name="Google Shape;70;p13"/>
-          <p:cNvPicPr preferRelativeResize="0"/>
-          <p:nvPr/>
-        </p:nvPicPr>
-        <p:blipFill>
-          <a:blip r:embed="rId3">
-            <a:alphaModFix/>
-          </a:blip>
-          <a:stretch>
-            <a:fillRect/>
-          </a:stretch>
-        </p:blipFill>
-        <p:spPr>
-          <a:xfrm>
-            <a:off x="13215963" y="21590183"/>
-            <a:ext cx="7029226" cy="4839956"/>
-          </a:xfrm>
-          <a:prstGeom prst="rect">
-            <a:avLst/>
-          </a:prstGeom>
-          <a:noFill/>
-          <a:ln>
-            <a:noFill/>
-          </a:ln>
-        </p:spPr>
-      </p:pic>
-      <p:sp>
-        <p:nvSpPr>
-          <p:cNvPr id="71" name="Google Shape;71;p13"/>
-          <p:cNvSpPr txBox="1"/>
-          <p:nvPr/>
-        </p:nvSpPr>
-        <p:spPr>
-          <a:xfrm>
-            <a:off x="20424988" y="21590172"/>
-            <a:ext cx="5048400" cy="3026700"/>
-          </a:xfrm>
-          <a:prstGeom prst="rect">
-            <a:avLst/>
-          </a:prstGeom>
-          <a:noFill/>
-          <a:ln>
-            <a:noFill/>
-          </a:ln>
-        </p:spPr>
-        <p:txBody>
-          <a:bodyPr spcFirstLastPara="1" wrap="square" lIns="91425" tIns="91425" rIns="91425" bIns="91425" anchor="t" anchorCtr="0">
-            <a:noAutofit/>
-          </a:bodyPr>
-          <a:lstStyle/>
-          <a:p>
-            <a:pPr marL="0" lvl="0" indent="0" algn="l" rtl="0">
-              <a:spcBef>
-                <a:spcPts val="0"/>
-              </a:spcBef>
-              <a:spcAft>
-                <a:spcPts val="1000"/>
-              </a:spcAft>
-              <a:buNone/>
-            </a:pPr>
-            <a:r>
-              <a:rPr lang="en" sz="3600">
-                <a:solidFill>
-                  <a:srgbClr val="000000"/>
-                </a:solidFill>
-                <a:latin typeface="Roboto"/>
-                <a:ea typeface="Roboto"/>
-                <a:cs typeface="Roboto"/>
-                <a:sym typeface="Roboto"/>
-              </a:rPr>
-              <a:t>Explanation of the figure. Point out important features that the figure demonstrates.</a:t>
-            </a:r>
-            <a:endParaRPr sz="3600">
               <a:latin typeface="Roboto"/>
               <a:ea typeface="Roboto"/>
               <a:cs typeface="Roboto"/>
@@ -6640,13 +6340,13 @@
               <a:buNone/>
             </a:pPr>
             <a:r>
-              <a:rPr lang="en-US" sz="3600" dirty="0">
+              <a:rPr lang="en-US" sz="4800" dirty="0">
                 <a:latin typeface="Roboto"/>
                 <a:ea typeface="Roboto"/>
                 <a:cs typeface="Roboto"/>
                 <a:sym typeface="Roboto"/>
               </a:rPr>
-              <a:t>General Schema: </a:t>
+              <a:t>Network Implementation:</a:t>
             </a:r>
           </a:p>
           <a:p>
@@ -6671,25 +6371,7 @@
                 <a:cs typeface="Roboto"/>
                 <a:sym typeface="Roboto"/>
               </a:rPr>
-              <a:t>The Unified Control Center acts as a </a:t>
-            </a:r>
-            <a:r>
-              <a:rPr lang="en-US" sz="3600" dirty="0" err="1">
-                <a:latin typeface="Roboto"/>
-                <a:ea typeface="Roboto"/>
-                <a:cs typeface="Roboto"/>
-                <a:sym typeface="Roboto"/>
-              </a:rPr>
-              <a:t>liason</a:t>
-            </a:r>
-            <a:r>
-              <a:rPr lang="en-US" sz="3600" dirty="0">
-                <a:latin typeface="Roboto"/>
-                <a:ea typeface="Roboto"/>
-                <a:cs typeface="Roboto"/>
-                <a:sym typeface="Roboto"/>
-              </a:rPr>
-              <a:t> between the client entity and application level devices, facilitating data flow and control command flow.</a:t>
+              <a:t>The Unified Control Center acts as a liaison between the client entity and application level devices, facilitating data flow and control command flow.</a:t>
             </a:r>
             <a:endParaRPr lang="en-US" sz="3600" dirty="0">
               <a:solidFill>
@@ -6711,7 +6393,7 @@
         </p:nvSpPr>
         <p:spPr>
           <a:xfrm>
-            <a:off x="26243075" y="5408025"/>
+            <a:off x="25365502" y="9224088"/>
             <a:ext cx="9885000" cy="6103500"/>
           </a:xfrm>
           <a:prstGeom prst="rect">
@@ -6795,89 +6477,6 @@
           </a:p>
         </p:txBody>
       </p:sp>
-      <p:pic>
-        <p:nvPicPr>
-          <p:cNvPr id="78" name="Google Shape;78;p13"/>
-          <p:cNvPicPr preferRelativeResize="0"/>
-          <p:nvPr/>
-        </p:nvPicPr>
-        <p:blipFill>
-          <a:blip r:embed="rId3">
-            <a:alphaModFix/>
-          </a:blip>
-          <a:stretch>
-            <a:fillRect/>
-          </a:stretch>
-        </p:blipFill>
-        <p:spPr>
-          <a:xfrm>
-            <a:off x="27198513" y="9046908"/>
-            <a:ext cx="7029226" cy="4839956"/>
-          </a:xfrm>
-          <a:prstGeom prst="rect">
-            <a:avLst/>
-          </a:prstGeom>
-          <a:noFill/>
-          <a:ln>
-            <a:noFill/>
-          </a:ln>
-        </p:spPr>
-      </p:pic>
-      <p:sp>
-        <p:nvSpPr>
-          <p:cNvPr id="79" name="Google Shape;79;p13"/>
-          <p:cNvSpPr txBox="1"/>
-          <p:nvPr/>
-        </p:nvSpPr>
-        <p:spPr>
-          <a:xfrm>
-            <a:off x="26243075" y="14085150"/>
-            <a:ext cx="10870500" cy="3026700"/>
-          </a:xfrm>
-          <a:prstGeom prst="rect">
-            <a:avLst/>
-          </a:prstGeom>
-          <a:noFill/>
-          <a:ln>
-            <a:noFill/>
-          </a:ln>
-        </p:spPr>
-        <p:txBody>
-          <a:bodyPr spcFirstLastPara="1" wrap="square" lIns="91425" tIns="91425" rIns="91425" bIns="91425" anchor="t" anchorCtr="0">
-            <a:noAutofit/>
-          </a:bodyPr>
-          <a:lstStyle/>
-          <a:p>
-            <a:pPr marL="0" lvl="0" indent="0" algn="l" rtl="0">
-              <a:spcBef>
-                <a:spcPts val="0"/>
-              </a:spcBef>
-              <a:spcAft>
-                <a:spcPts val="1000"/>
-              </a:spcAft>
-              <a:buNone/>
-            </a:pPr>
-            <a:r>
-              <a:rPr lang="en" sz="3600">
-                <a:solidFill>
-                  <a:srgbClr val="000000"/>
-                </a:solidFill>
-                <a:latin typeface="Roboto"/>
-                <a:ea typeface="Roboto"/>
-                <a:cs typeface="Roboto"/>
-                <a:sym typeface="Roboto"/>
-              </a:rPr>
-              <a:t>Explanation of the figure. Point out important features that the figure demonstrates.</a:t>
-            </a:r>
-            <a:endParaRPr sz="3600">
-              <a:latin typeface="Roboto"/>
-              <a:ea typeface="Roboto"/>
-              <a:cs typeface="Roboto"/>
-              <a:sym typeface="Roboto"/>
-            </a:endParaRPr>
-          </a:p>
-        </p:txBody>
-      </p:sp>
       <p:sp>
         <p:nvSpPr>
           <p:cNvPr id="80" name="Google Shape;80;p13"/>
@@ -6886,7 +6485,7 @@
         </p:nvSpPr>
         <p:spPr>
           <a:xfrm>
-            <a:off x="25653188" y="15503125"/>
+            <a:off x="25705500" y="5108209"/>
             <a:ext cx="9885000" cy="6103500"/>
           </a:xfrm>
           <a:prstGeom prst="rect">
@@ -7048,31 +6647,6 @@
               <a:buFont typeface="Wingdings" panose="05000000000000000000" pitchFamily="2" charset="2"/>
               <a:buChar char="à"/>
             </a:pPr>
-            <a:r>
-              <a:rPr lang="en-US" sz="4800" dirty="0">
-                <a:latin typeface="Roboto"/>
-                <a:ea typeface="Roboto"/>
-                <a:cs typeface="Roboto"/>
-                <a:sym typeface="Roboto"/>
-              </a:rPr>
-              <a:t>Cybersecurity?</a:t>
-            </a:r>
-          </a:p>
-          <a:p>
-            <a:pPr marL="685800" lvl="0" indent="-685800" algn="l" rtl="0">
-              <a:spcBef>
-                <a:spcPts val="0"/>
-              </a:spcBef>
-              <a:spcAft>
-                <a:spcPts val="0"/>
-              </a:spcAft>
-              <a:buClr>
-                <a:srgbClr val="000000"/>
-              </a:buClr>
-              <a:buSzPts val="1100"/>
-              <a:buFont typeface="Wingdings" panose="05000000000000000000" pitchFamily="2" charset="2"/>
-              <a:buChar char="à"/>
-            </a:pPr>
             <a:endParaRPr lang="en-US" sz="4800" dirty="0">
               <a:latin typeface="Roboto"/>
               <a:ea typeface="Roboto"/>
@@ -7100,89 +6674,6 @@
               <a:ea typeface="Roboto"/>
               <a:cs typeface="Roboto"/>
               <a:sym typeface="Wingdings" panose="05000000000000000000" pitchFamily="2" charset="2"/>
-            </a:endParaRPr>
-          </a:p>
-        </p:txBody>
-      </p:sp>
-      <p:pic>
-        <p:nvPicPr>
-          <p:cNvPr id="81" name="Google Shape;81;p13"/>
-          <p:cNvPicPr preferRelativeResize="0"/>
-          <p:nvPr/>
-        </p:nvPicPr>
-        <p:blipFill>
-          <a:blip r:embed="rId3">
-            <a:alphaModFix/>
-          </a:blip>
-          <a:stretch>
-            <a:fillRect/>
-          </a:stretch>
-        </p:blipFill>
-        <p:spPr>
-          <a:xfrm>
-            <a:off x="26767543" y="20132608"/>
-            <a:ext cx="7029226" cy="4839956"/>
-          </a:xfrm>
-          <a:prstGeom prst="rect">
-            <a:avLst/>
-          </a:prstGeom>
-          <a:noFill/>
-          <a:ln>
-            <a:noFill/>
-          </a:ln>
-        </p:spPr>
-      </p:pic>
-      <p:sp>
-        <p:nvSpPr>
-          <p:cNvPr id="82" name="Google Shape;82;p13"/>
-          <p:cNvSpPr txBox="1"/>
-          <p:nvPr/>
-        </p:nvSpPr>
-        <p:spPr>
-          <a:xfrm>
-            <a:off x="25705500" y="24840433"/>
-            <a:ext cx="10870500" cy="3026700"/>
-          </a:xfrm>
-          <a:prstGeom prst="rect">
-            <a:avLst/>
-          </a:prstGeom>
-          <a:noFill/>
-          <a:ln>
-            <a:noFill/>
-          </a:ln>
-        </p:spPr>
-        <p:txBody>
-          <a:bodyPr spcFirstLastPara="1" wrap="square" lIns="91425" tIns="91425" rIns="91425" bIns="91425" anchor="t" anchorCtr="0">
-            <a:noAutofit/>
-          </a:bodyPr>
-          <a:lstStyle/>
-          <a:p>
-            <a:pPr marL="0" lvl="0" indent="0" algn="l" rtl="0">
-              <a:spcBef>
-                <a:spcPts val="0"/>
-              </a:spcBef>
-              <a:spcAft>
-                <a:spcPts val="1000"/>
-              </a:spcAft>
-              <a:buNone/>
-            </a:pPr>
-            <a:r>
-              <a:rPr lang="en" sz="3600" dirty="0">
-                <a:solidFill>
-                  <a:srgbClr val="000000"/>
-                </a:solidFill>
-                <a:latin typeface="Roboto"/>
-                <a:ea typeface="Roboto"/>
-                <a:cs typeface="Roboto"/>
-                <a:sym typeface="Roboto"/>
-              </a:rPr>
-              <a:t>Explanation of the figure. Point out important features that the figure demonstrates.</a:t>
-            </a:r>
-            <a:endParaRPr sz="3600" dirty="0">
-              <a:latin typeface="Roboto"/>
-              <a:ea typeface="Roboto"/>
-              <a:cs typeface="Roboto"/>
-              <a:sym typeface="Roboto"/>
             </a:endParaRPr>
           </a:p>
         </p:txBody>
@@ -7202,7 +6693,7 @@
           <p:nvPr/>
         </p:nvPicPr>
         <p:blipFill>
-          <a:blip r:embed="rId4"/>
+          <a:blip r:embed="rId3"/>
           <a:stretch>
             <a:fillRect/>
           </a:stretch>
@@ -7217,6 +6708,207 @@
           </a:prstGeom>
         </p:spPr>
       </p:pic>
+      <p:sp>
+        <p:nvSpPr>
+          <p:cNvPr id="23" name="Google Shape;67;p13">
+            <a:extLst>
+              <a:ext uri="{FF2B5EF4-FFF2-40B4-BE49-F238E27FC236}">
+                <a16:creationId xmlns:a16="http://schemas.microsoft.com/office/drawing/2014/main" id="{6B852B67-3BEB-43F0-BF3D-8F88B8D3EB22}"/>
+              </a:ext>
+            </a:extLst>
+          </p:cNvPr>
+          <p:cNvSpPr txBox="1"/>
+          <p:nvPr/>
+        </p:nvSpPr>
+        <p:spPr>
+          <a:xfrm>
+            <a:off x="24446850" y="13351232"/>
+            <a:ext cx="12402300" cy="6103500"/>
+          </a:xfrm>
+          <a:prstGeom prst="rect">
+            <a:avLst/>
+          </a:prstGeom>
+          <a:noFill/>
+          <a:ln>
+            <a:noFill/>
+          </a:ln>
+        </p:spPr>
+        <p:txBody>
+          <a:bodyPr spcFirstLastPara="1" wrap="square" lIns="91425" tIns="91425" rIns="91425" bIns="91425" anchor="t" anchorCtr="0">
+            <a:noAutofit/>
+          </a:bodyPr>
+          <a:lstStyle/>
+          <a:p>
+            <a:pPr marL="0" lvl="0" indent="0" algn="l" rtl="0">
+              <a:spcBef>
+                <a:spcPts val="0"/>
+              </a:spcBef>
+              <a:spcAft>
+                <a:spcPts val="1000"/>
+              </a:spcAft>
+              <a:buNone/>
+            </a:pPr>
+            <a:r>
+              <a:rPr lang="en-US" sz="4800" dirty="0">
+                <a:solidFill>
+                  <a:srgbClr val="000000"/>
+                </a:solidFill>
+                <a:latin typeface="Roboto"/>
+                <a:ea typeface="Roboto"/>
+                <a:cs typeface="Roboto"/>
+                <a:sym typeface="Roboto"/>
+              </a:rPr>
+              <a:t>Evaluation:</a:t>
+            </a:r>
+            <a:endParaRPr lang="en" sz="4800" dirty="0">
+              <a:solidFill>
+                <a:srgbClr val="000000"/>
+              </a:solidFill>
+              <a:latin typeface="Roboto"/>
+              <a:ea typeface="Roboto"/>
+              <a:cs typeface="Roboto"/>
+              <a:sym typeface="Roboto"/>
+            </a:endParaRPr>
+          </a:p>
+          <a:p>
+            <a:pPr marL="0" lvl="0" indent="0" algn="l" rtl="0">
+              <a:spcBef>
+                <a:spcPts val="0"/>
+              </a:spcBef>
+              <a:spcAft>
+                <a:spcPts val="1000"/>
+              </a:spcAft>
+              <a:buNone/>
+            </a:pPr>
+            <a:r>
+              <a:rPr lang="en-US" sz="3600" dirty="0">
+                <a:solidFill>
+                  <a:srgbClr val="000000"/>
+                </a:solidFill>
+                <a:latin typeface="Roboto"/>
+                <a:ea typeface="Roboto"/>
+                <a:cs typeface="Roboto"/>
+                <a:sym typeface="Roboto"/>
+              </a:rPr>
+              <a:t>Latency:</a:t>
+            </a:r>
+          </a:p>
+          <a:p>
+            <a:pPr marL="0" lvl="0" indent="0" algn="l" rtl="0">
+              <a:spcBef>
+                <a:spcPts val="0"/>
+              </a:spcBef>
+              <a:spcAft>
+                <a:spcPts val="1000"/>
+              </a:spcAft>
+              <a:buNone/>
+            </a:pPr>
+            <a:endParaRPr lang="en-US" sz="3600" dirty="0">
+              <a:latin typeface="Roboto"/>
+              <a:ea typeface="Roboto"/>
+              <a:cs typeface="Roboto"/>
+              <a:sym typeface="Roboto"/>
+            </a:endParaRPr>
+          </a:p>
+          <a:p>
+            <a:pPr marL="0" lvl="0" indent="0" algn="l" rtl="0">
+              <a:spcBef>
+                <a:spcPts val="0"/>
+              </a:spcBef>
+              <a:spcAft>
+                <a:spcPts val="1000"/>
+              </a:spcAft>
+              <a:buNone/>
+            </a:pPr>
+            <a:r>
+              <a:rPr lang="en-US" sz="3600" dirty="0">
+                <a:latin typeface="Roboto"/>
+                <a:ea typeface="Roboto"/>
+                <a:cs typeface="Roboto"/>
+                <a:sym typeface="Roboto"/>
+              </a:rPr>
+              <a:t>Sensor Accuracy:</a:t>
+            </a:r>
+          </a:p>
+          <a:p>
+            <a:pPr marL="0" lvl="0" indent="0" algn="l" rtl="0">
+              <a:spcBef>
+                <a:spcPts val="0"/>
+              </a:spcBef>
+              <a:spcAft>
+                <a:spcPts val="1000"/>
+              </a:spcAft>
+              <a:buNone/>
+            </a:pPr>
+            <a:endParaRPr lang="en-US" sz="3600" dirty="0">
+              <a:latin typeface="Roboto"/>
+              <a:ea typeface="Roboto"/>
+              <a:cs typeface="Roboto"/>
+              <a:sym typeface="Roboto"/>
+            </a:endParaRPr>
+          </a:p>
+          <a:p>
+            <a:pPr marL="0" lvl="0" indent="0" algn="l" rtl="0">
+              <a:spcBef>
+                <a:spcPts val="0"/>
+              </a:spcBef>
+              <a:spcAft>
+                <a:spcPts val="1000"/>
+              </a:spcAft>
+              <a:buNone/>
+            </a:pPr>
+            <a:endParaRPr lang="en-US" sz="3600" dirty="0">
+              <a:latin typeface="Roboto"/>
+              <a:ea typeface="Roboto"/>
+              <a:cs typeface="Roboto"/>
+              <a:sym typeface="Roboto"/>
+            </a:endParaRPr>
+          </a:p>
+          <a:p>
+            <a:pPr marL="0" lvl="0" indent="0" algn="l" rtl="0">
+              <a:spcBef>
+                <a:spcPts val="0"/>
+              </a:spcBef>
+              <a:spcAft>
+                <a:spcPts val="1000"/>
+              </a:spcAft>
+              <a:buNone/>
+            </a:pPr>
+            <a:endParaRPr lang="en-US" sz="3600" dirty="0">
+              <a:latin typeface="Roboto"/>
+              <a:ea typeface="Roboto"/>
+              <a:cs typeface="Roboto"/>
+              <a:sym typeface="Roboto"/>
+            </a:endParaRPr>
+          </a:p>
+          <a:p>
+            <a:pPr marL="0" lvl="0" indent="0" algn="l" rtl="0">
+              <a:spcBef>
+                <a:spcPts val="0"/>
+              </a:spcBef>
+              <a:spcAft>
+                <a:spcPts val="1000"/>
+              </a:spcAft>
+              <a:buNone/>
+            </a:pPr>
+            <a:r>
+              <a:rPr lang="en-US" sz="3600" dirty="0">
+                <a:latin typeface="Roboto"/>
+                <a:ea typeface="Roboto"/>
+                <a:cs typeface="Roboto"/>
+                <a:sym typeface="Roboto"/>
+              </a:rPr>
+              <a:t>Reliability:</a:t>
+            </a:r>
+            <a:endParaRPr sz="3600" dirty="0">
+              <a:latin typeface="Roboto"/>
+              <a:ea typeface="Roboto"/>
+              <a:cs typeface="Roboto"/>
+              <a:sym typeface="Roboto"/>
+            </a:endParaRPr>
+          </a:p>
+        </p:txBody>
+      </p:sp>
     </p:spTree>
   </p:cSld>
   <p:clrMapOvr>
